--- a/projects/kog.030.020-physics/aitcg100 - Physics.pptx
+++ b/projects/kog.030.020-physics/aitcg100 - Physics.pptx
@@ -262,7 +262,7 @@
           <a:p>
             <a:fld id="{5B0DAFD6-FAC2-42B7-869F-67A360C20BEA}" type="datetimeFigureOut">
               <a:rPr lang="en-US" smtClean="0"/>
-              <a:t>10/18/2021</a:t>
+              <a:t>10/19/2021</a:t>
             </a:fld>
             <a:endParaRPr lang="en-US"/>
           </a:p>
@@ -2136,7 +2136,7 @@
           <a:p>
             <a:fld id="{338A3FAA-9C6C-4F9E-8590-40D8D97A52B8}" type="datetimeFigureOut">
               <a:rPr lang="en-US" smtClean="0"/>
-              <a:t>10/18/2021</a:t>
+              <a:t>10/19/2021</a:t>
             </a:fld>
             <a:endParaRPr lang="en-US"/>
           </a:p>
@@ -2304,7 +2304,7 @@
           <a:p>
             <a:fld id="{338A3FAA-9C6C-4F9E-8590-40D8D97A52B8}" type="datetimeFigureOut">
               <a:rPr lang="en-US" smtClean="0"/>
-              <a:t>10/18/2021</a:t>
+              <a:t>10/19/2021</a:t>
             </a:fld>
             <a:endParaRPr lang="en-US"/>
           </a:p>
@@ -2482,7 +2482,7 @@
           <a:p>
             <a:fld id="{338A3FAA-9C6C-4F9E-8590-40D8D97A52B8}" type="datetimeFigureOut">
               <a:rPr lang="en-US" smtClean="0"/>
-              <a:t>10/18/2021</a:t>
+              <a:t>10/19/2021</a:t>
             </a:fld>
             <a:endParaRPr lang="en-US"/>
           </a:p>
@@ -3107,7 +3107,7 @@
           <a:p>
             <a:fld id="{233D5BDB-207A-4240-9DD0-70E5211C08C1}" type="datetimeFigureOut">
               <a:rPr lang="en-US" smtClean="0"/>
-              <a:t>10/18/2021</a:t>
+              <a:t>10/19/2021</a:t>
             </a:fld>
             <a:endParaRPr lang="en-US"/>
           </a:p>
@@ -4987,7 +4987,7 @@
           <a:p>
             <a:fld id="{338A3FAA-9C6C-4F9E-8590-40D8D97A52B8}" type="datetimeFigureOut">
               <a:rPr lang="en-US" smtClean="0"/>
-              <a:t>10/18/2021</a:t>
+              <a:t>10/19/2021</a:t>
             </a:fld>
             <a:endParaRPr lang="en-US"/>
           </a:p>
@@ -6028,7 +6028,7 @@
           <a:p>
             <a:fld id="{338A3FAA-9C6C-4F9E-8590-40D8D97A52B8}" type="datetimeFigureOut">
               <a:rPr lang="en-US" smtClean="0"/>
-              <a:t>10/18/2021</a:t>
+              <a:t>10/19/2021</a:t>
             </a:fld>
             <a:endParaRPr lang="en-US"/>
           </a:p>
@@ -6257,7 +6257,7 @@
           <a:p>
             <a:fld id="{338A3FAA-9C6C-4F9E-8590-40D8D97A52B8}" type="datetimeFigureOut">
               <a:rPr lang="en-US" smtClean="0"/>
-              <a:t>10/18/2021</a:t>
+              <a:t>10/19/2021</a:t>
             </a:fld>
             <a:endParaRPr lang="en-US"/>
           </a:p>
@@ -6621,7 +6621,7 @@
           <a:p>
             <a:fld id="{338A3FAA-9C6C-4F9E-8590-40D8D97A52B8}" type="datetimeFigureOut">
               <a:rPr lang="en-US" smtClean="0"/>
-              <a:t>10/18/2021</a:t>
+              <a:t>10/19/2021</a:t>
             </a:fld>
             <a:endParaRPr lang="en-US"/>
           </a:p>
@@ -6738,7 +6738,7 @@
           <a:p>
             <a:fld id="{338A3FAA-9C6C-4F9E-8590-40D8D97A52B8}" type="datetimeFigureOut">
               <a:rPr lang="en-US" smtClean="0"/>
-              <a:t>10/18/2021</a:t>
+              <a:t>10/19/2021</a:t>
             </a:fld>
             <a:endParaRPr lang="en-US"/>
           </a:p>
@@ -6833,7 +6833,7 @@
           <a:p>
             <a:fld id="{338A3FAA-9C6C-4F9E-8590-40D8D97A52B8}" type="datetimeFigureOut">
               <a:rPr lang="en-US" smtClean="0"/>
-              <a:t>10/18/2021</a:t>
+              <a:t>10/19/2021</a:t>
             </a:fld>
             <a:endParaRPr lang="en-US"/>
           </a:p>
@@ -7108,7 +7108,7 @@
           <a:p>
             <a:fld id="{338A3FAA-9C6C-4F9E-8590-40D8D97A52B8}" type="datetimeFigureOut">
               <a:rPr lang="en-US" smtClean="0"/>
-              <a:t>10/18/2021</a:t>
+              <a:t>10/19/2021</a:t>
             </a:fld>
             <a:endParaRPr lang="en-US"/>
           </a:p>
@@ -7360,7 +7360,7 @@
           <a:p>
             <a:fld id="{338A3FAA-9C6C-4F9E-8590-40D8D97A52B8}" type="datetimeFigureOut">
               <a:rPr lang="en-US" smtClean="0"/>
-              <a:t>10/18/2021</a:t>
+              <a:t>10/19/2021</a:t>
             </a:fld>
             <a:endParaRPr lang="en-US"/>
           </a:p>
@@ -7571,7 +7571,7 @@
           <a:p>
             <a:fld id="{338A3FAA-9C6C-4F9E-8590-40D8D97A52B8}" type="datetimeFigureOut">
               <a:rPr lang="en-US" smtClean="0"/>
-              <a:t>10/18/2021</a:t>
+              <a:t>10/19/2021</a:t>
             </a:fld>
             <a:endParaRPr lang="en-US"/>
           </a:p>
@@ -8113,7 +8113,7 @@
             <a:fld id="{233D5BDB-207A-4240-9DD0-70E5211C08C1}" type="datetimeFigureOut">
               <a:rPr lang="en-US" smtClean="0"/>
               <a:pPr/>
-              <a:t>10/18/2021</a:t>
+              <a:t>10/19/2021</a:t>
             </a:fld>
             <a:endParaRPr lang="en-US"/>
           </a:p>
@@ -8544,6 +8544,10 @@
               </a:rPr>
               <a:t>Computer Graphics</a:t>
             </a:r>
+            <a:r>
+              <a:rPr lang="en-US" dirty="0"/>
+              <a:t/>
+            </a:r>
             <a:br>
               <a:rPr lang="en-US" dirty="0"/>
             </a:br>
@@ -8668,49 +8672,97 @@
               <a:rPr lang="en-US" sz="2800" dirty="0">
                 <a:latin typeface="Consolas" panose="020B0609020204030204" pitchFamily="49" charset="0"/>
               </a:rPr>
-              <a:t>http://</a:t>
-            </a:r>
-            <a:r>
-              <a:rPr lang="hu-HU" sz="2800" dirty="0" err="1">
+              <a:t>http</a:t>
+            </a:r>
+            <a:r>
+              <a:rPr lang="en-US" sz="2800" dirty="0" smtClean="0">
                 <a:latin typeface="Consolas" panose="020B0609020204030204" pitchFamily="49" charset="0"/>
               </a:rPr>
-              <a:t>cg.iit.bme.hu</a:t>
+              <a:t>://192</a:t>
+            </a:r>
+            <a:r>
+              <a:rPr lang="hu-HU" sz="2800" dirty="0" smtClean="0">
+                <a:latin typeface="Consolas" panose="020B0609020204030204" pitchFamily="49" charset="0"/>
+              </a:rPr>
+              <a:t>.</a:t>
+            </a:r>
+            <a:r>
+              <a:rPr lang="en-US" sz="2800" dirty="0" smtClean="0">
+                <a:latin typeface="Consolas" panose="020B0609020204030204" pitchFamily="49" charset="0"/>
+              </a:rPr>
+              <a:t>168</a:t>
+            </a:r>
+            <a:r>
+              <a:rPr lang="hu-HU" sz="2800" dirty="0" smtClean="0">
+                <a:latin typeface="Consolas" panose="020B0609020204030204" pitchFamily="49" charset="0"/>
+              </a:rPr>
+              <a:t>.</a:t>
+            </a:r>
+            <a:r>
+              <a:rPr lang="en-US" sz="2800" dirty="0" smtClean="0">
+                <a:latin typeface="Consolas" panose="020B0609020204030204" pitchFamily="49" charset="0"/>
+              </a:rPr>
+              <a:t>20</a:t>
+            </a:r>
+            <a:r>
+              <a:rPr lang="hu-HU" sz="2800" dirty="0" smtClean="0">
+                <a:latin typeface="Consolas" panose="020B0609020204030204" pitchFamily="49" charset="0"/>
+              </a:rPr>
+              <a:t>.</a:t>
             </a:r>
             <a:r>
               <a:rPr lang="en-US" sz="2800" dirty="0">
                 <a:latin typeface="Consolas" panose="020B0609020204030204" pitchFamily="49" charset="0"/>
               </a:rPr>
-              <a:t>:8082?name=</a:t>
-            </a:r>
-            <a:r>
-              <a:rPr lang="hu-HU" sz="2800" dirty="0" err="1">
+              <a:t>87:8082?name=</a:t>
+            </a:r>
+            <a:r>
+              <a:rPr lang="en-US" sz="2800" dirty="0" err="1">
                 <a:latin typeface="Consolas" panose="020B0609020204030204" pitchFamily="49" charset="0"/>
               </a:rPr>
-              <a:t>Chanha</a:t>
+              <a:t>Zimri&amp;ip</a:t>
             </a:r>
             <a:r>
               <a:rPr lang="en-US" sz="2800" dirty="0">
                 <a:latin typeface="Consolas" panose="020B0609020204030204" pitchFamily="49" charset="0"/>
               </a:rPr>
-              <a:t>&amp;</a:t>
-            </a:r>
-            <a:r>
-              <a:rPr lang="en-US" sz="2800" dirty="0" err="1">
+              <a:t>=192</a:t>
+            </a:r>
+            <a:r>
+              <a:rPr lang="hu-HU" sz="2800" dirty="0">
                 <a:latin typeface="Consolas" panose="020B0609020204030204" pitchFamily="49" charset="0"/>
               </a:rPr>
-              <a:t>ip</a:t>
+              <a:t>.</a:t>
             </a:r>
             <a:r>
               <a:rPr lang="en-US" sz="2800" dirty="0">
                 <a:latin typeface="Consolas" panose="020B0609020204030204" pitchFamily="49" charset="0"/>
               </a:rPr>
-              <a:t>=</a:t>
-            </a:r>
-            <a:r>
-              <a:rPr lang="hu-HU" sz="2800" dirty="0" err="1">
+              <a:t>168</a:t>
+            </a:r>
+            <a:r>
+              <a:rPr lang="hu-HU" sz="2800" dirty="0">
                 <a:latin typeface="Consolas" panose="020B0609020204030204" pitchFamily="49" charset="0"/>
               </a:rPr>
-              <a:t>cg.iit.bme.hu</a:t>
+              <a:t>.</a:t>
+            </a:r>
+            <a:r>
+              <a:rPr lang="en-US" sz="2800" dirty="0">
+                <a:latin typeface="Consolas" panose="020B0609020204030204" pitchFamily="49" charset="0"/>
+              </a:rPr>
+              <a:t>20</a:t>
+            </a:r>
+            <a:r>
+              <a:rPr lang="hu-HU" sz="2800" dirty="0">
+                <a:latin typeface="Consolas" panose="020B0609020204030204" pitchFamily="49" charset="0"/>
+              </a:rPr>
+              <a:t>.</a:t>
+            </a:r>
+            <a:r>
+              <a:rPr lang="en-US" sz="2800" dirty="0">
+                <a:latin typeface="Consolas" panose="020B0609020204030204" pitchFamily="49" charset="0"/>
+              </a:rPr>
+              <a:t>87</a:t>
             </a:r>
             <a:endParaRPr lang="en-US" sz="4000" dirty="0">
               <a:latin typeface="Consolas" panose="020B0609020204030204" pitchFamily="49" charset="0"/>
@@ -8726,8 +8778,8 @@
         </p:nvSpPr>
         <p:spPr>
           <a:xfrm>
-            <a:off x="5850542" y="2112021"/>
-            <a:ext cx="3141392" cy="369332"/>
+            <a:off x="1614488" y="2112021"/>
+            <a:ext cx="9886950" cy="369332"/>
           </a:xfrm>
           <a:prstGeom prst="rect">
             <a:avLst/>
@@ -8742,16 +8794,9 @@
           <a:p>
             <a:r>
               <a:rPr lang="en-US" dirty="0"/>
-              <a:t>{</a:t>
-            </a:r>
-            <a:r>
-              <a:rPr lang="en-US" dirty="0" err="1"/>
-              <a:t>Sidhant|Mike|Chanha|Takuto</a:t>
-            </a:r>
-            <a:r>
-              <a:rPr lang="en-US" dirty="0"/>
-              <a:t>}</a:t>
-            </a:r>
+              <a:t>{Everett|Hannah|Himanshu|Jadesse|Kate|Lanea|Morgan|Paul|Sam|Samson|Haruna|Zhixing|Zimri}</a:t>
+            </a:r>
+            <a:endParaRPr lang="en-US" dirty="0"/>
           </a:p>
         </p:txBody>
       </p:sp>
@@ -8764,9 +8809,9 @@
           <p:nvPr/>
         </p:nvCxnSpPr>
         <p:spPr>
-          <a:xfrm flipH="1">
-            <a:off x="7404216" y="2481353"/>
-            <a:ext cx="17022" cy="747369"/>
+          <a:xfrm>
+            <a:off x="6557963" y="2481353"/>
+            <a:ext cx="371475" cy="658356"/>
           </a:xfrm>
           <a:prstGeom prst="straightConnector1">
             <a:avLst/>
@@ -11585,7 +11630,7 @@
           <p:cNvPr id="20" name="Rectangle 11">
             <a:extLst>
               <a:ext uri="{FF2B5EF4-FFF2-40B4-BE49-F238E27FC236}">
-                <a16:creationId xmlns:a16="http://schemas.microsoft.com/office/drawing/2014/main" id="{DF7E6D83-F0C8-43A7-93ED-0AD8F409794C}"/>
+                <a16:creationId xmlns:a16="http://schemas.microsoft.com/office/drawing/2014/main" xmlns="" id="{DF7E6D83-F0C8-43A7-93ED-0AD8F409794C}"/>
               </a:ext>
             </a:extLst>
           </p:cNvPr>
@@ -12932,7 +12977,7 @@
           <a:graphicData uri="http://schemas.openxmlformats.org/presentationml/2006/ole">
             <mc:AlternateContent xmlns:mc="http://schemas.openxmlformats.org/markup-compatibility/2006">
               <mc:Choice xmlns:v="urn:schemas-microsoft-com:vml" Requires="v">
-                <p:oleObj spid="_x0000_s1028" name="Bitkép alakzat" r:id="rId5" imgW="1914286" imgH="1905266" progId="PBrush">
+                <p:oleObj spid="_x0000_s1034" name="Bitkép alakzat" r:id="rId5" imgW="1914286" imgH="1905266" progId="PBrush">
                   <p:embed/>
                 </p:oleObj>
               </mc:Choice>
@@ -13071,7 +13116,7 @@
           <a:graphicData uri="http://schemas.openxmlformats.org/presentationml/2006/ole">
             <mc:AlternateContent xmlns:mc="http://schemas.openxmlformats.org/markup-compatibility/2006">
               <mc:Choice xmlns:v="urn:schemas-microsoft-com:vml" Requires="v">
-                <p:oleObj spid="_x0000_s1029" name="Klip" r:id="rId7" imgW="3597275" imgH="3390900" progId="">
+                <p:oleObj spid="_x0000_s1035" name="Klip" r:id="rId7" imgW="3597275" imgH="3390900" progId="">
                   <p:embed/>
                 </p:oleObj>
               </mc:Choice>
@@ -16261,7 +16306,7 @@
           <p:cNvPr id="20" name="Rectangle 11">
             <a:extLst>
               <a:ext uri="{FF2B5EF4-FFF2-40B4-BE49-F238E27FC236}">
-                <a16:creationId xmlns:a16="http://schemas.microsoft.com/office/drawing/2014/main" id="{CC03776D-3393-4E94-80D0-5C29B8381AA2}"/>
+                <a16:creationId xmlns:a16="http://schemas.microsoft.com/office/drawing/2014/main" xmlns="" id="{CC03776D-3393-4E94-80D0-5C29B8381AA2}"/>
               </a:ext>
             </a:extLst>
           </p:cNvPr>
@@ -16661,7 +16706,7 @@
           <p:cNvPr id="6" name="Rectangle 9">
             <a:extLst>
               <a:ext uri="{FF2B5EF4-FFF2-40B4-BE49-F238E27FC236}">
-                <a16:creationId xmlns:a16="http://schemas.microsoft.com/office/drawing/2014/main" id="{0E775F94-EFDE-4A4F-AD49-6E6756AA22BF}"/>
+                <a16:creationId xmlns:a16="http://schemas.microsoft.com/office/drawing/2014/main" xmlns="" id="{0E775F94-EFDE-4A4F-AD49-6E6756AA22BF}"/>
               </a:ext>
             </a:extLst>
           </p:cNvPr>
@@ -17416,7 +17461,7 @@
           <p:cNvPr id="6" name="Rectangle 9">
             <a:extLst>
               <a:ext uri="{FF2B5EF4-FFF2-40B4-BE49-F238E27FC236}">
-                <a16:creationId xmlns:a16="http://schemas.microsoft.com/office/drawing/2014/main" id="{E4DCCBE9-17F7-424D-8733-A4F088592BD2}"/>
+                <a16:creationId xmlns:a16="http://schemas.microsoft.com/office/drawing/2014/main" xmlns="" id="{E4DCCBE9-17F7-424D-8733-A4F088592BD2}"/>
               </a:ext>
             </a:extLst>
           </p:cNvPr>
@@ -20317,8 +20362,16 @@
           </a:p>
           <a:p>
             <a:r>
+              <a:rPr lang="en-US" altLang="en-US"/>
+              <a:t>Managing  </a:t>
+            </a:r>
+            <a:r>
+              <a:rPr lang="en-US" altLang="en-US" smtClean="0"/>
+              <a:t>”intelligent” </a:t>
+            </a:r>
+            <a:r>
               <a:rPr lang="en-US" altLang="en-US" dirty="0"/>
-              <a:t>Managing  ”intelligent” virtual objects (AI)</a:t>
+              <a:t>virtual objects (AI)</a:t>
             </a:r>
           </a:p>
           <a:p>
@@ -20510,7 +20563,7 @@
           <p:cNvPr id="4" name="Rectangle 9">
             <a:extLst>
               <a:ext uri="{FF2B5EF4-FFF2-40B4-BE49-F238E27FC236}">
-                <a16:creationId xmlns:a16="http://schemas.microsoft.com/office/drawing/2014/main" id="{8F776F9E-2854-428A-AF69-1465BCC342C2}"/>
+                <a16:creationId xmlns:a16="http://schemas.microsoft.com/office/drawing/2014/main" xmlns="" id="{8F776F9E-2854-428A-AF69-1465BCC342C2}"/>
               </a:ext>
             </a:extLst>
           </p:cNvPr>
@@ -25030,14 +25083,34 @@
               </a:lnSpc>
             </a:pPr>
             <a:r>
-              <a:rPr lang="en-US" dirty="0">
+              <a:rPr lang="en-US">
                 <a:solidFill>
                   <a:srgbClr val="000000"/>
                 </a:solidFill>
                 <a:ea typeface="Times New Roman" panose="02020603050405020304" pitchFamily="18" charset="0"/>
                 <a:cs typeface="Times New Roman" panose="02020603050405020304" pitchFamily="18" charset="0"/>
               </a:rPr>
-              <a:t>  if("W" in </a:t>
+              <a:t>  </a:t>
+            </a:r>
+            <a:r>
+              <a:rPr lang="en-US" smtClean="0">
+                <a:solidFill>
+                  <a:srgbClr val="000000"/>
+                </a:solidFill>
+                <a:ea typeface="Times New Roman" panose="02020603050405020304" pitchFamily="18" charset="0"/>
+                <a:cs typeface="Times New Roman" panose="02020603050405020304" pitchFamily="18" charset="0"/>
+              </a:rPr>
+              <a:t>if("W" </a:t>
+            </a:r>
+            <a:r>
+              <a:rPr lang="en-US" dirty="0">
+                <a:solidFill>
+                  <a:srgbClr val="000000"/>
+                </a:solidFill>
+                <a:ea typeface="Times New Roman" panose="02020603050405020304" pitchFamily="18" charset="0"/>
+                <a:cs typeface="Times New Roman" panose="02020603050405020304" pitchFamily="18" charset="0"/>
+              </a:rPr>
+              <a:t>in </a:t>
             </a:r>
             <a:r>
               <a:rPr lang="en-US" dirty="0" err="1">
@@ -27097,21 +27170,35 @@
                 <a:ea typeface="Times New Roman" panose="02020603050405020304" pitchFamily="18" charset="0"/>
                 <a:cs typeface="Times New Roman" panose="02020603050405020304" pitchFamily="18" charset="0"/>
               </a:rPr>
-              <a:t>  if("U</a:t>
-            </a:r>
-            <a:r>
-              <a:rPr lang="hu-HU" sz="2000" dirty="0" err="1">
+              <a:t>  </a:t>
+            </a:r>
+            <a:r>
+              <a:rPr lang="en-US" sz="2000" smtClean="0">
                 <a:ea typeface="Times New Roman" panose="02020603050405020304" pitchFamily="18" charset="0"/>
                 <a:cs typeface="Times New Roman" panose="02020603050405020304" pitchFamily="18" charset="0"/>
               </a:rPr>
+              <a:t>if("U</a:t>
+            </a:r>
+            <a:r>
+              <a:rPr lang="hu-HU" sz="2000" smtClean="0">
+                <a:ea typeface="Times New Roman" panose="02020603050405020304" pitchFamily="18" charset="0"/>
+                <a:cs typeface="Times New Roman" panose="02020603050405020304" pitchFamily="18" charset="0"/>
+              </a:rPr>
               <a:t>pArrow</a:t>
+            </a:r>
+            <a:r>
+              <a:rPr lang="en-US" sz="2000" smtClean="0">
+                <a:ea typeface="Times New Roman" panose="02020603050405020304" pitchFamily="18" charset="0"/>
+                <a:cs typeface="Times New Roman" panose="02020603050405020304" pitchFamily="18" charset="0"/>
+              </a:rPr>
+              <a:t>" </a:t>
             </a:r>
             <a:r>
               <a:rPr lang="en-US" sz="2000" dirty="0">
                 <a:ea typeface="Times New Roman" panose="02020603050405020304" pitchFamily="18" charset="0"/>
                 <a:cs typeface="Times New Roman" panose="02020603050405020304" pitchFamily="18" charset="0"/>
               </a:rPr>
-              <a:t>" in </a:t>
+              <a:t>in </a:t>
             </a:r>
             <a:r>
               <a:rPr lang="en-US" sz="2000" dirty="0" err="1">
@@ -27192,21 +27279,35 @@
                 <a:ea typeface="Times New Roman" panose="02020603050405020304" pitchFamily="18" charset="0"/>
                 <a:cs typeface="Times New Roman" panose="02020603050405020304" pitchFamily="18" charset="0"/>
               </a:rPr>
-              <a:t>  if("</a:t>
-            </a:r>
-            <a:r>
-              <a:rPr lang="hu-HU" sz="2000" dirty="0" err="1">
+              <a:t>  </a:t>
+            </a:r>
+            <a:r>
+              <a:rPr lang="en-US" sz="2000" smtClean="0">
                 <a:ea typeface="Times New Roman" panose="02020603050405020304" pitchFamily="18" charset="0"/>
                 <a:cs typeface="Times New Roman" panose="02020603050405020304" pitchFamily="18" charset="0"/>
               </a:rPr>
+              <a:t>if("</a:t>
+            </a:r>
+            <a:r>
+              <a:rPr lang="hu-HU" sz="2000" smtClean="0">
+                <a:ea typeface="Times New Roman" panose="02020603050405020304" pitchFamily="18" charset="0"/>
+                <a:cs typeface="Times New Roman" panose="02020603050405020304" pitchFamily="18" charset="0"/>
+              </a:rPr>
               <a:t>LeftArrow</a:t>
+            </a:r>
+            <a:r>
+              <a:rPr lang="en-US" sz="2000" smtClean="0">
+                <a:ea typeface="Times New Roman" panose="02020603050405020304" pitchFamily="18" charset="0"/>
+                <a:cs typeface="Times New Roman" panose="02020603050405020304" pitchFamily="18" charset="0"/>
+              </a:rPr>
+              <a:t>" </a:t>
             </a:r>
             <a:r>
               <a:rPr lang="en-US" sz="2000" dirty="0">
                 <a:ea typeface="Times New Roman" panose="02020603050405020304" pitchFamily="18" charset="0"/>
                 <a:cs typeface="Times New Roman" panose="02020603050405020304" pitchFamily="18" charset="0"/>
               </a:rPr>
-              <a:t>" in </a:t>
+              <a:t>in </a:t>
             </a:r>
             <a:r>
               <a:rPr lang="en-US" sz="2000" dirty="0" err="1">
@@ -34293,7 +34394,7 @@
         <p:spPr bwMode="auto">
           <a:xfrm>
             <a:off x="2118679" y="5011947"/>
-            <a:ext cx="4779981" cy="883308"/>
+            <a:ext cx="5839459" cy="883308"/>
           </a:xfrm>
           <a:prstGeom prst="rect">
             <a:avLst/>
@@ -34319,17 +34420,62 @@
           <a:lstStyle/>
           <a:p>
             <a:r>
-              <a:rPr lang="en-US" altLang="en-US" b="1" dirty="0" err="1">
+              <a:rPr lang="en-US" altLang="en-US" b="1" dirty="0" err="1" smtClean="0">
                 <a:latin typeface="Courier New" panose="02070309020205020404" pitchFamily="49" charset="0"/>
               </a:rPr>
+              <a:t>val</a:t>
+            </a:r>
+            <a:r>
+              <a:rPr lang="en-US" altLang="en-US" b="1" dirty="0" smtClean="0">
+                <a:latin typeface="Courier New" panose="02070309020205020404" pitchFamily="49" charset="0"/>
+              </a:rPr>
+              <a:t> </a:t>
+            </a:r>
+            <a:r>
+              <a:rPr lang="en-US" altLang="en-US" b="1" dirty="0" err="1" smtClean="0">
+                <a:latin typeface="Courier New" panose="02070309020205020404" pitchFamily="49" charset="0"/>
+              </a:rPr>
               <a:t>gameObjects</a:t>
+            </a:r>
+            <a:r>
+              <a:rPr lang="en-US" altLang="en-US" b="1" dirty="0" smtClean="0">
+                <a:latin typeface="Courier New" panose="02070309020205020404" pitchFamily="49" charset="0"/>
+              </a:rPr>
+              <a:t> </a:t>
             </a:r>
             <a:r>
               <a:rPr lang="en-US" altLang="en-US" b="1" dirty="0">
                 <a:latin typeface="Courier New" panose="02070309020205020404" pitchFamily="49" charset="0"/>
               </a:rPr>
-              <a:t> = []</a:t>
-            </a:r>
+              <a:t>= </a:t>
+            </a:r>
+            <a:r>
+              <a:rPr lang="hu-HU" altLang="en-US" b="1" dirty="0" smtClean="0">
+                <a:latin typeface="Courier New" panose="02070309020205020404" pitchFamily="49" charset="0"/>
+              </a:rPr>
+              <a:t>ArrayList</a:t>
+            </a:r>
+            <a:r>
+              <a:rPr lang="en-US" altLang="en-US" b="1" dirty="0" smtClean="0">
+                <a:latin typeface="Courier New" panose="02070309020205020404" pitchFamily="49" charset="0"/>
+              </a:rPr>
+              <a:t>&lt;</a:t>
+            </a:r>
+            <a:r>
+              <a:rPr lang="en-US" altLang="en-US" b="1" dirty="0" err="1" smtClean="0">
+                <a:latin typeface="Courier New" panose="02070309020205020404" pitchFamily="49" charset="0"/>
+              </a:rPr>
+              <a:t>GameObject</a:t>
+            </a:r>
+            <a:r>
+              <a:rPr lang="en-US" altLang="en-US" b="1" dirty="0" smtClean="0">
+                <a:latin typeface="Courier New" panose="02070309020205020404" pitchFamily="49" charset="0"/>
+              </a:rPr>
+              <a:t>&gt;()</a:t>
+            </a:r>
+            <a:endParaRPr lang="en-US" altLang="en-US" b="1" dirty="0">
+              <a:latin typeface="Courier New" panose="02070309020205020404" pitchFamily="49" charset="0"/>
+            </a:endParaRPr>
           </a:p>
         </p:txBody>
       </p:sp>
